--- a/documentacion/Esquema_Dashboard_iTunes/itunes.pptx
+++ b/documentacion/Esquema_Dashboard_iTunes/itunes.pptx
@@ -3809,119 +3809,181 @@
           <a:bodyPr/>
           <a:lstStyle/>
           <a:p>
-            <a:pPr algn="l">
+            <a:pPr algn="l" rtl="0">
+              <a:spcBef>
+                <a:spcPts val="1800"/>
+              </a:spcBef>
+              <a:spcAft>
+                <a:spcPts val="400"/>
+              </a:spcAft>
               <a:buNone/>
             </a:pPr>
             <a:r>
-              <a:rPr lang="es-ES" sz="1800" b="1" dirty="0">
+              <a:rPr lang="es-ES" sz="1800" b="1" i="0" u="none" strike="noStrike" dirty="0">
+                <a:solidFill>
+                  <a:srgbClr val="000000"/>
+                </a:solidFill>
+                <a:effectLst/>
                 <a:latin typeface="Arial" panose="020B0604020202020204" pitchFamily="34" charset="0"/>
-                <a:cs typeface="Arial" panose="020B0604020202020204" pitchFamily="34" charset="0"/>
               </a:rPr>
-              <a:t>🧭 Recomendaciones </a:t>
-            </a:r>
-          </a:p>
-          <a:p>
-            <a:pPr algn="l">
-              <a:buNone/>
-            </a:pPr>
-            <a:r>
-              <a:rPr lang="es-ES" sz="1800" dirty="0">
-                <a:latin typeface="Arial" panose="020B0604020202020204" pitchFamily="34" charset="0"/>
-                <a:cs typeface="Arial" panose="020B0604020202020204" pitchFamily="34" charset="0"/>
-              </a:rPr>
-              <a:t>Luis, en base a este análisis, te propongo:</a:t>
-            </a:r>
-          </a:p>
-          <a:p>
-            <a:pPr algn="l">
+              <a:t>🧭 Recomendaciones</a:t>
+            </a:r>
+            <a:endParaRPr lang="es-ES" sz="1400" b="1" dirty="0">
+              <a:effectLst/>
+            </a:endParaRPr>
+          </a:p>
+          <a:p>
+            <a:pPr algn="l" rtl="0" fontAlgn="base">
+              <a:spcBef>
+                <a:spcPts val="1200"/>
+              </a:spcBef>
               <a:buFont typeface="+mj-lt"/>
               <a:buAutoNum type="arabicPeriod"/>
             </a:pPr>
             <a:r>
-              <a:rPr lang="es-ES" sz="1800" dirty="0">
+              <a:rPr lang="es-ES" sz="1800" i="0" u="none" strike="noStrike" dirty="0">
+                <a:solidFill>
+                  <a:srgbClr val="000000"/>
+                </a:solidFill>
+                <a:effectLst/>
                 <a:latin typeface="Arial" panose="020B0604020202020204" pitchFamily="34" charset="0"/>
-                <a:cs typeface="Arial" panose="020B0604020202020204" pitchFamily="34" charset="0"/>
               </a:rPr>
-              <a:t>Posicionar tu contenido más elaborado o instrumental en géneros como jazz o clásica, donde los usuarios están acostumbrados a consumir canciones largas.</a:t>
-            </a:r>
-          </a:p>
-          <a:p>
-            <a:pPr algn="l">
+              <a:t>Posicionar tu contenido más elaborado o instrumental en géneros como jazz o clásica, donde los usuarios están acostumbrados a consumir canciones largas, ya que las composiciones extensas las puedes vender como contenido artístico de alto valor. </a:t>
+            </a:r>
+          </a:p>
+          <a:p>
+            <a:pPr algn="l" rtl="0" fontAlgn="base">
               <a:buFont typeface="+mj-lt"/>
               <a:buAutoNum type="arabicPeriod"/>
             </a:pPr>
             <a:r>
-              <a:rPr lang="es-ES" sz="1800" dirty="0">
+              <a:rPr lang="es-ES" sz="1800" i="0" u="none" strike="noStrike" dirty="0">
+                <a:solidFill>
+                  <a:srgbClr val="000000"/>
+                </a:solidFill>
+                <a:effectLst/>
                 <a:latin typeface="Arial" panose="020B0604020202020204" pitchFamily="34" charset="0"/>
-                <a:cs typeface="Arial" panose="020B0604020202020204" pitchFamily="34" charset="0"/>
               </a:rPr>
               <a:t>Ofrecer versiones “</a:t>
             </a:r>
             <a:r>
-              <a:rPr lang="es-ES" sz="1800" dirty="0" err="1">
+              <a:rPr lang="es-ES" sz="1800" i="0" u="none" strike="noStrike" dirty="0" err="1">
+                <a:solidFill>
+                  <a:srgbClr val="000000"/>
+                </a:solidFill>
+                <a:effectLst/>
                 <a:latin typeface="Arial" panose="020B0604020202020204" pitchFamily="34" charset="0"/>
-                <a:cs typeface="Arial" panose="020B0604020202020204" pitchFamily="34" charset="0"/>
               </a:rPr>
               <a:t>cleaned</a:t>
             </a:r>
             <a:r>
-              <a:rPr lang="es-ES" sz="1800" dirty="0">
+              <a:rPr lang="es-ES" sz="1800" i="0" u="none" strike="noStrike" dirty="0">
+                <a:solidFill>
+                  <a:srgbClr val="000000"/>
+                </a:solidFill>
+                <a:effectLst/>
                 <a:latin typeface="Arial" panose="020B0604020202020204" pitchFamily="34" charset="0"/>
-                <a:cs typeface="Arial" panose="020B0604020202020204" pitchFamily="34" charset="0"/>
               </a:rPr>
-              <a:t>” o editadas para aumentar la exposición en canales más amplios.</a:t>
-            </a:r>
-          </a:p>
-          <a:p>
-            <a:pPr algn="l">
+              <a:t>” o editadas para aumentar la exposición en canales más amplios (radio, </a:t>
+            </a:r>
+            <a:r>
+              <a:rPr lang="es-ES" sz="1800" i="0" u="none" strike="noStrike" dirty="0" err="1">
+                <a:solidFill>
+                  <a:srgbClr val="000000"/>
+                </a:solidFill>
+                <a:effectLst/>
+                <a:latin typeface="Arial" panose="020B0604020202020204" pitchFamily="34" charset="0"/>
+              </a:rPr>
+              <a:t>playlists</a:t>
+            </a:r>
+            <a:r>
+              <a:rPr lang="es-ES" sz="1800" i="0" u="none" strike="noStrike" dirty="0">
+                <a:solidFill>
+                  <a:srgbClr val="000000"/>
+                </a:solidFill>
+                <a:effectLst/>
+                <a:latin typeface="Arial" panose="020B0604020202020204" pitchFamily="34" charset="0"/>
+              </a:rPr>
+              <a:t> familiares, entornos educativos, etc.)</a:t>
+            </a:r>
+          </a:p>
+          <a:p>
+            <a:pPr algn="l" rtl="0" fontAlgn="base">
+              <a:spcAft>
+                <a:spcPts val="1200"/>
+              </a:spcAft>
               <a:buFont typeface="+mj-lt"/>
               <a:buAutoNum type="arabicPeriod"/>
             </a:pPr>
             <a:r>
-              <a:rPr lang="es-ES" sz="1800" dirty="0">
+              <a:rPr lang="es-ES" sz="1800" i="0" u="none" strike="noStrike" dirty="0">
+                <a:solidFill>
+                  <a:srgbClr val="000000"/>
+                </a:solidFill>
+                <a:effectLst/>
                 <a:latin typeface="Arial" panose="020B0604020202020204" pitchFamily="34" charset="0"/>
-                <a:cs typeface="Arial" panose="020B0604020202020204" pitchFamily="34" charset="0"/>
               </a:rPr>
               <a:t>Usar álbumes multidisco o recopilaciones como estrategia de catálogo premium, donde el usuario acepta pagar más por volumen.</a:t>
             </a:r>
           </a:p>
           <a:p>
-            <a:pPr algn="l">
+            <a:pPr algn="l" rtl="0" fontAlgn="base">
+              <a:spcBef>
+                <a:spcPts val="1200"/>
+              </a:spcBef>
+              <a:spcAft>
+                <a:spcPts val="1200"/>
+              </a:spcAft>
               <a:buFont typeface="+mj-lt"/>
               <a:buAutoNum type="arabicPeriod"/>
             </a:pPr>
             <a:r>
-              <a:rPr lang="es-ES" sz="1800" dirty="0">
+              <a:rPr lang="es-ES" sz="1800" i="0" u="none" strike="noStrike" dirty="0">
+                <a:solidFill>
+                  <a:srgbClr val="000000"/>
+                </a:solidFill>
+                <a:effectLst/>
                 <a:latin typeface="Arial" panose="020B0604020202020204" pitchFamily="34" charset="0"/>
-                <a:cs typeface="Arial" panose="020B0604020202020204" pitchFamily="34" charset="0"/>
               </a:rPr>
               <a:t>Incorporar este </a:t>
             </a:r>
             <a:r>
-              <a:rPr lang="es-ES" sz="1800" dirty="0" err="1">
+              <a:rPr lang="es-ES" sz="1800" i="0" u="none" strike="noStrike" dirty="0" err="1">
+                <a:solidFill>
+                  <a:srgbClr val="000000"/>
+                </a:solidFill>
+                <a:effectLst/>
                 <a:latin typeface="Arial" panose="020B0604020202020204" pitchFamily="34" charset="0"/>
-                <a:cs typeface="Arial" panose="020B0604020202020204" pitchFamily="34" charset="0"/>
               </a:rPr>
               <a:t>dashboard</a:t>
             </a:r>
             <a:r>
-              <a:rPr lang="es-ES" sz="1800" dirty="0">
+              <a:rPr lang="es-ES" sz="1800" i="0" u="none" strike="noStrike" dirty="0">
+                <a:solidFill>
+                  <a:srgbClr val="000000"/>
+                </a:solidFill>
+                <a:effectLst/>
                 <a:latin typeface="Arial" panose="020B0604020202020204" pitchFamily="34" charset="0"/>
-                <a:cs typeface="Arial" panose="020B0604020202020204" pitchFamily="34" charset="0"/>
               </a:rPr>
               <a:t> en tu toma de decisiones para lanzar promociones, estudiar artistas o detectar </a:t>
             </a:r>
             <a:r>
-              <a:rPr lang="es-ES" sz="1800" dirty="0" err="1">
+              <a:rPr lang="es-ES" sz="1800" i="0" u="none" strike="noStrike" dirty="0" err="1">
+                <a:solidFill>
+                  <a:srgbClr val="000000"/>
+                </a:solidFill>
+                <a:effectLst/>
                 <a:latin typeface="Arial" panose="020B0604020202020204" pitchFamily="34" charset="0"/>
-                <a:cs typeface="Arial" panose="020B0604020202020204" pitchFamily="34" charset="0"/>
               </a:rPr>
               <a:t>outliers</a:t>
             </a:r>
             <a:r>
-              <a:rPr lang="es-ES" sz="1800" dirty="0">
+              <a:rPr lang="es-ES" sz="1800" i="0" u="none" strike="noStrike" dirty="0">
+                <a:solidFill>
+                  <a:srgbClr val="000000"/>
+                </a:solidFill>
+                <a:effectLst/>
                 <a:latin typeface="Arial" panose="020B0604020202020204" pitchFamily="34" charset="0"/>
-                <a:cs typeface="Arial" panose="020B0604020202020204" pitchFamily="34" charset="0"/>
               </a:rPr>
               <a:t> en tiempo real.</a:t>
             </a:r>
@@ -4042,106 +4104,155 @@
           <a:bodyPr/>
           <a:lstStyle/>
           <a:p>
-            <a:pPr algn="l">
+            <a:pPr algn="l" rtl="0">
+              <a:spcBef>
+                <a:spcPts val="1800"/>
+              </a:spcBef>
+              <a:spcAft>
+                <a:spcPts val="400"/>
+              </a:spcAft>
               <a:buNone/>
             </a:pPr>
             <a:r>
-              <a:rPr lang="es-ES" sz="1800" b="1" dirty="0">
+              <a:rPr lang="es-ES" sz="1800" b="1" i="0" u="none" strike="noStrike" dirty="0">
+                <a:solidFill>
+                  <a:srgbClr val="000000"/>
+                </a:solidFill>
+                <a:effectLst/>
                 <a:latin typeface="Arial" panose="020B0604020202020204" pitchFamily="34" charset="0"/>
-                <a:cs typeface="Arial" panose="020B0604020202020204" pitchFamily="34" charset="0"/>
               </a:rPr>
-              <a:t>📌 Próximos pasos</a:t>
-            </a:r>
-          </a:p>
-          <a:p>
-            <a:pPr algn="l">
+              <a:t>📌 Cierre y próximos pasos</a:t>
+            </a:r>
+            <a:endParaRPr lang="es-ES" sz="1400" b="1" dirty="0">
+              <a:effectLst/>
+            </a:endParaRPr>
+          </a:p>
+          <a:p>
+            <a:pPr algn="l" rtl="0">
+              <a:spcBef>
+                <a:spcPts val="1200"/>
+              </a:spcBef>
+              <a:spcAft>
+                <a:spcPts val="1200"/>
+              </a:spcAft>
               <a:buNone/>
             </a:pPr>
             <a:r>
-              <a:rPr lang="es-ES" sz="1800" dirty="0">
+              <a:rPr lang="es-ES" sz="1800" b="0" i="0" u="none" strike="noStrike" dirty="0">
+                <a:solidFill>
+                  <a:srgbClr val="000000"/>
+                </a:solidFill>
+                <a:effectLst/>
                 <a:latin typeface="Arial" panose="020B0604020202020204" pitchFamily="34" charset="0"/>
-                <a:cs typeface="Arial" panose="020B0604020202020204" pitchFamily="34" charset="0"/>
               </a:rPr>
               <a:t>Este proyecto no solo analiza datos históricos. Te da una </a:t>
             </a:r>
             <a:r>
-              <a:rPr lang="es-ES" sz="1800" b="1" dirty="0">
+              <a:rPr lang="es-ES" sz="1800" b="1" i="0" u="none" strike="noStrike" dirty="0">
+                <a:solidFill>
+                  <a:srgbClr val="000000"/>
+                </a:solidFill>
+                <a:effectLst/>
                 <a:latin typeface="Arial" panose="020B0604020202020204" pitchFamily="34" charset="0"/>
-                <a:cs typeface="Arial" panose="020B0604020202020204" pitchFamily="34" charset="0"/>
               </a:rPr>
               <a:t>ventana estratégica al mercado estadounidense</a:t>
             </a:r>
             <a:r>
-              <a:rPr lang="es-ES" sz="1800" dirty="0">
+              <a:rPr lang="es-ES" sz="1800" b="0" i="0" u="none" strike="noStrike" dirty="0">
+                <a:solidFill>
+                  <a:srgbClr val="000000"/>
+                </a:solidFill>
+                <a:effectLst/>
                 <a:latin typeface="Arial" panose="020B0604020202020204" pitchFamily="34" charset="0"/>
-                <a:cs typeface="Arial" panose="020B0604020202020204" pitchFamily="34" charset="0"/>
               </a:rPr>
               <a:t>, basada en evidencia. Hemos creado una base sólida que puedes usar para campañas, lanzamientos o decisiones editoriales.</a:t>
             </a:r>
-          </a:p>
-          <a:p>
-            <a:pPr algn="l">
+            <a:endParaRPr lang="es-ES" sz="1400" b="0" dirty="0">
+              <a:effectLst/>
+            </a:endParaRPr>
+          </a:p>
+          <a:p>
+            <a:pPr algn="l" rtl="0">
+              <a:spcBef>
+                <a:spcPts val="1200"/>
+              </a:spcBef>
+              <a:spcAft>
+                <a:spcPts val="1200"/>
+              </a:spcAft>
               <a:buNone/>
             </a:pPr>
             <a:r>
-              <a:rPr lang="es-ES" sz="1800" dirty="0">
+              <a:rPr lang="es-ES" sz="1800" b="0" i="0" u="none" strike="noStrike" dirty="0">
+                <a:solidFill>
+                  <a:srgbClr val="000000"/>
+                </a:solidFill>
+                <a:effectLst/>
                 <a:latin typeface="Arial" panose="020B0604020202020204" pitchFamily="34" charset="0"/>
-                <a:cs typeface="Arial" panose="020B0604020202020204" pitchFamily="34" charset="0"/>
               </a:rPr>
               <a:t>Próximos pasos:</a:t>
             </a:r>
-          </a:p>
-          <a:p>
-            <a:pPr algn="l">
+            <a:endParaRPr lang="es-ES" sz="1400" b="0" dirty="0">
+              <a:effectLst/>
+            </a:endParaRPr>
+          </a:p>
+          <a:p>
+            <a:pPr algn="l" rtl="0" fontAlgn="base">
+              <a:spcBef>
+                <a:spcPts val="1200"/>
+              </a:spcBef>
               <a:buFont typeface="Arial" panose="020B0604020202020204" pitchFamily="34" charset="0"/>
               <a:buChar char="•"/>
             </a:pPr>
             <a:r>
-              <a:rPr lang="es-ES" sz="1800" dirty="0">
+              <a:rPr lang="es-ES" sz="1800" b="0" i="0" u="none" strike="noStrike" dirty="0">
+                <a:solidFill>
+                  <a:srgbClr val="000000"/>
+                </a:solidFill>
+                <a:effectLst/>
                 <a:latin typeface="Arial" panose="020B0604020202020204" pitchFamily="34" charset="0"/>
-                <a:cs typeface="Arial" panose="020B0604020202020204" pitchFamily="34" charset="0"/>
               </a:rPr>
               <a:t>Automatizar la extracción de datos diariamente</a:t>
             </a:r>
           </a:p>
           <a:p>
-            <a:pPr algn="l">
+            <a:pPr algn="l" rtl="0" fontAlgn="base">
+              <a:spcAft>
+                <a:spcPts val="1200"/>
+              </a:spcAft>
               <a:buFont typeface="Arial" panose="020B0604020202020204" pitchFamily="34" charset="0"/>
               <a:buChar char="•"/>
             </a:pPr>
             <a:r>
-              <a:rPr lang="es-ES" sz="1800" dirty="0">
+              <a:rPr lang="es-ES" sz="1800" b="0" i="0" u="none" strike="noStrike" dirty="0">
+                <a:solidFill>
+                  <a:srgbClr val="000000"/>
+                </a:solidFill>
+                <a:effectLst/>
                 <a:latin typeface="Arial" panose="020B0604020202020204" pitchFamily="34" charset="0"/>
-                <a:cs typeface="Arial" panose="020B0604020202020204" pitchFamily="34" charset="0"/>
               </a:rPr>
               <a:t>Incorporar nuevos países para comparar estrategias</a:t>
             </a:r>
           </a:p>
           <a:p>
-            <a:pPr algn="l">
+            <a:pPr algn="l" rtl="0" fontAlgn="base">
+              <a:spcBef>
+                <a:spcPts val="1200"/>
+              </a:spcBef>
+              <a:spcAft>
+                <a:spcPts val="1200"/>
+              </a:spcAft>
               <a:buFont typeface="Arial" panose="020B0604020202020204" pitchFamily="34" charset="0"/>
               <a:buChar char="•"/>
             </a:pPr>
             <a:r>
-              <a:rPr lang="es-ES" sz="1800" dirty="0">
+              <a:rPr lang="es-ES" sz="1800" b="0" i="0" u="none" strike="noStrike" dirty="0">
+                <a:solidFill>
+                  <a:srgbClr val="000000"/>
+                </a:solidFill>
+                <a:effectLst/>
                 <a:latin typeface="Arial" panose="020B0604020202020204" pitchFamily="34" charset="0"/>
-                <a:cs typeface="Arial" panose="020B0604020202020204" pitchFamily="34" charset="0"/>
               </a:rPr>
-              <a:t>Integrar indicadores de </a:t>
-            </a:r>
-            <a:r>
-              <a:rPr lang="es-ES" sz="1800" dirty="0" err="1">
-                <a:latin typeface="Arial" panose="020B0604020202020204" pitchFamily="34" charset="0"/>
-                <a:cs typeface="Arial" panose="020B0604020202020204" pitchFamily="34" charset="0"/>
-              </a:rPr>
-              <a:t>streaming</a:t>
-            </a:r>
-            <a:r>
-              <a:rPr lang="es-ES" sz="1800" dirty="0">
-                <a:latin typeface="Arial" panose="020B0604020202020204" pitchFamily="34" charset="0"/>
-                <a:cs typeface="Arial" panose="020B0604020202020204" pitchFamily="34" charset="0"/>
-              </a:rPr>
-              <a:t>, descargas y rankings</a:t>
+              <a:t>Integrar indicadores de descargas y rankings (Número de veces que una canción o álbum ha sido comprado o descargado, Top 100 canciones globales o por país. Ranking por género).</a:t>
             </a:r>
           </a:p>
           <a:p>
